--- a/Presentations/20220914_Pridham_NewCodeBase.pptx
+++ b/Presentations/20220914_Pridham_NewCodeBase.pptx
@@ -264,7 +264,7 @@
           <a:p>
             <a:fld id="{9A1DDCFE-D1AE-48D3-804A-3BD6B86CD6AD}" type="datetimeFigureOut">
               <a:rPr lang="en-US" smtClean="0"/>
-              <a:t>9/14/2022</a:t>
+              <a:t>9/15/2022</a:t>
             </a:fld>
             <a:endParaRPr lang="en-US"/>
           </a:p>
@@ -434,7 +434,7 @@
           <a:p>
             <a:fld id="{9A1DDCFE-D1AE-48D3-804A-3BD6B86CD6AD}" type="datetimeFigureOut">
               <a:rPr lang="en-US" smtClean="0"/>
-              <a:t>9/14/2022</a:t>
+              <a:t>9/15/2022</a:t>
             </a:fld>
             <a:endParaRPr lang="en-US"/>
           </a:p>
@@ -614,7 +614,7 @@
           <a:p>
             <a:fld id="{9A1DDCFE-D1AE-48D3-804A-3BD6B86CD6AD}" type="datetimeFigureOut">
               <a:rPr lang="en-US" smtClean="0"/>
-              <a:t>9/14/2022</a:t>
+              <a:t>9/15/2022</a:t>
             </a:fld>
             <a:endParaRPr lang="en-US"/>
           </a:p>
@@ -784,7 +784,7 @@
           <a:p>
             <a:fld id="{9A1DDCFE-D1AE-48D3-804A-3BD6B86CD6AD}" type="datetimeFigureOut">
               <a:rPr lang="en-US" smtClean="0"/>
-              <a:t>9/14/2022</a:t>
+              <a:t>9/15/2022</a:t>
             </a:fld>
             <a:endParaRPr lang="en-US"/>
           </a:p>
@@ -1030,7 +1030,7 @@
           <a:p>
             <a:fld id="{9A1DDCFE-D1AE-48D3-804A-3BD6B86CD6AD}" type="datetimeFigureOut">
               <a:rPr lang="en-US" smtClean="0"/>
-              <a:t>9/14/2022</a:t>
+              <a:t>9/15/2022</a:t>
             </a:fld>
             <a:endParaRPr lang="en-US"/>
           </a:p>
@@ -1262,7 +1262,7 @@
           <a:p>
             <a:fld id="{9A1DDCFE-D1AE-48D3-804A-3BD6B86CD6AD}" type="datetimeFigureOut">
               <a:rPr lang="en-US" smtClean="0"/>
-              <a:t>9/14/2022</a:t>
+              <a:t>9/15/2022</a:t>
             </a:fld>
             <a:endParaRPr lang="en-US"/>
           </a:p>
@@ -1629,7 +1629,7 @@
           <a:p>
             <a:fld id="{9A1DDCFE-D1AE-48D3-804A-3BD6B86CD6AD}" type="datetimeFigureOut">
               <a:rPr lang="en-US" smtClean="0"/>
-              <a:t>9/14/2022</a:t>
+              <a:t>9/15/2022</a:t>
             </a:fld>
             <a:endParaRPr lang="en-US"/>
           </a:p>
@@ -1747,7 +1747,7 @@
           <a:p>
             <a:fld id="{9A1DDCFE-D1AE-48D3-804A-3BD6B86CD6AD}" type="datetimeFigureOut">
               <a:rPr lang="en-US" smtClean="0"/>
-              <a:t>9/14/2022</a:t>
+              <a:t>9/15/2022</a:t>
             </a:fld>
             <a:endParaRPr lang="en-US"/>
           </a:p>
@@ -1842,7 +1842,7 @@
           <a:p>
             <a:fld id="{9A1DDCFE-D1AE-48D3-804A-3BD6B86CD6AD}" type="datetimeFigureOut">
               <a:rPr lang="en-US" smtClean="0"/>
-              <a:t>9/14/2022</a:t>
+              <a:t>9/15/2022</a:t>
             </a:fld>
             <a:endParaRPr lang="en-US"/>
           </a:p>
@@ -2119,7 +2119,7 @@
           <a:p>
             <a:fld id="{9A1DDCFE-D1AE-48D3-804A-3BD6B86CD6AD}" type="datetimeFigureOut">
               <a:rPr lang="en-US" smtClean="0"/>
-              <a:t>9/14/2022</a:t>
+              <a:t>9/15/2022</a:t>
             </a:fld>
             <a:endParaRPr lang="en-US"/>
           </a:p>
@@ -2376,7 +2376,7 @@
           <a:p>
             <a:fld id="{9A1DDCFE-D1AE-48D3-804A-3BD6B86CD6AD}" type="datetimeFigureOut">
               <a:rPr lang="en-US" smtClean="0"/>
-              <a:t>9/14/2022</a:t>
+              <a:t>9/15/2022</a:t>
             </a:fld>
             <a:endParaRPr lang="en-US"/>
           </a:p>
@@ -2589,7 +2589,7 @@
           <a:p>
             <a:fld id="{9A1DDCFE-D1AE-48D3-804A-3BD6B86CD6AD}" type="datetimeFigureOut">
               <a:rPr lang="en-US" smtClean="0"/>
-              <a:t>9/14/2022</a:t>
+              <a:t>9/15/2022</a:t>
             </a:fld>
             <a:endParaRPr lang="en-US"/>
           </a:p>
@@ -3093,10 +3093,10 @@
       </p:grpSpPr>
       <p:pic>
         <p:nvPicPr>
-          <p:cNvPr id="8" name="Content Placeholder 9" descr="Diagram&#10;&#10;Description automatically generated">
+          <p:cNvPr id="5" name="Picture 4" descr="Diagram&#10;&#10;Description automatically generated with medium confidence">
             <a:extLst>
               <a:ext uri="{FF2B5EF4-FFF2-40B4-BE49-F238E27FC236}">
-                <a16:creationId xmlns:a16="http://schemas.microsoft.com/office/drawing/2014/main" id="{6B720A65-F7C0-7EA0-FC05-7B61CE2E7CF7}"/>
+                <a16:creationId xmlns:a16="http://schemas.microsoft.com/office/drawing/2014/main" id="{F8A99775-F0C0-F5B3-B074-55C425CE36A5}"/>
               </a:ext>
             </a:extLst>
           </p:cNvPr>
@@ -3119,8 +3119,8 @@
         </p:blipFill>
         <p:spPr>
           <a:xfrm>
-            <a:off x="0" y="1353312"/>
-            <a:ext cx="12209545" cy="5504688"/>
+            <a:off x="0" y="1361223"/>
+            <a:ext cx="12192000" cy="5496777"/>
           </a:xfrm>
           <a:prstGeom prst="rect">
             <a:avLst/>
@@ -3362,10 +3362,10 @@
       </p:grpSpPr>
       <p:pic>
         <p:nvPicPr>
-          <p:cNvPr id="9" name="Content Placeholder 9" descr="Diagram&#10;&#10;Description automatically generated">
+          <p:cNvPr id="3" name="Picture 2" descr="Diagram&#10;&#10;Description automatically generated with medium confidence">
             <a:extLst>
               <a:ext uri="{FF2B5EF4-FFF2-40B4-BE49-F238E27FC236}">
-                <a16:creationId xmlns:a16="http://schemas.microsoft.com/office/drawing/2014/main" id="{0E67B302-5BA0-B81A-DC1E-64B4358E1409}"/>
+                <a16:creationId xmlns:a16="http://schemas.microsoft.com/office/drawing/2014/main" id="{FBE0CC05-036E-1E82-A5EA-EBA6BF055B47}"/>
               </a:ext>
             </a:extLst>
           </p:cNvPr>
@@ -3388,8 +3388,8 @@
         </p:blipFill>
         <p:spPr>
           <a:xfrm>
-            <a:off x="0" y="1353312"/>
-            <a:ext cx="12209545" cy="5504688"/>
+            <a:off x="0" y="1361223"/>
+            <a:ext cx="12192000" cy="5496777"/>
           </a:xfrm>
           <a:prstGeom prst="rect">
             <a:avLst/>
@@ -3623,10 +3623,10 @@
       </p:grpSpPr>
       <p:pic>
         <p:nvPicPr>
-          <p:cNvPr id="9" name="Content Placeholder 9" descr="Diagram&#10;&#10;Description automatically generated">
+          <p:cNvPr id="3" name="Picture 2" descr="Diagram&#10;&#10;Description automatically generated with medium confidence">
             <a:extLst>
               <a:ext uri="{FF2B5EF4-FFF2-40B4-BE49-F238E27FC236}">
-                <a16:creationId xmlns:a16="http://schemas.microsoft.com/office/drawing/2014/main" id="{972FE292-D45D-AFE7-AF5E-4ED1DBE04A58}"/>
+                <a16:creationId xmlns:a16="http://schemas.microsoft.com/office/drawing/2014/main" id="{7172F3DC-E576-4955-67FD-BE2B9772A954}"/>
               </a:ext>
             </a:extLst>
           </p:cNvPr>
@@ -3649,8 +3649,8 @@
         </p:blipFill>
         <p:spPr>
           <a:xfrm>
-            <a:off x="0" y="1353312"/>
-            <a:ext cx="12209545" cy="5504688"/>
+            <a:off x="0" y="1361223"/>
+            <a:ext cx="12192000" cy="5496777"/>
           </a:xfrm>
           <a:prstGeom prst="rect">
             <a:avLst/>
@@ -3874,10 +3874,10 @@
       </p:grpSpPr>
       <p:pic>
         <p:nvPicPr>
-          <p:cNvPr id="8" name="Content Placeholder 9" descr="Diagram&#10;&#10;Description automatically generated">
+          <p:cNvPr id="3" name="Picture 2" descr="Diagram&#10;&#10;Description automatically generated with medium confidence">
             <a:extLst>
               <a:ext uri="{FF2B5EF4-FFF2-40B4-BE49-F238E27FC236}">
-                <a16:creationId xmlns:a16="http://schemas.microsoft.com/office/drawing/2014/main" id="{7204BE10-8FD2-9BDB-7362-6CFCD6F0322B}"/>
+                <a16:creationId xmlns:a16="http://schemas.microsoft.com/office/drawing/2014/main" id="{AAA12D5C-191B-18D3-4397-2F38FE92DD3F}"/>
               </a:ext>
             </a:extLst>
           </p:cNvPr>
@@ -3900,8 +3900,8 @@
         </p:blipFill>
         <p:spPr>
           <a:xfrm>
-            <a:off x="0" y="1353312"/>
-            <a:ext cx="12209545" cy="5504688"/>
+            <a:off x="0" y="1361223"/>
+            <a:ext cx="12192000" cy="5496777"/>
           </a:xfrm>
           <a:prstGeom prst="rect">
             <a:avLst/>
@@ -4158,10 +4158,10 @@
       </p:grpSpPr>
       <p:pic>
         <p:nvPicPr>
-          <p:cNvPr id="8" name="Content Placeholder 9" descr="Diagram&#10;&#10;Description automatically generated">
+          <p:cNvPr id="5" name="Picture 4" descr="Diagram&#10;&#10;Description automatically generated with medium confidence">
             <a:extLst>
               <a:ext uri="{FF2B5EF4-FFF2-40B4-BE49-F238E27FC236}">
-                <a16:creationId xmlns:a16="http://schemas.microsoft.com/office/drawing/2014/main" id="{0241B0B5-0C6A-EE15-C3EC-092070ABE9FD}"/>
+                <a16:creationId xmlns:a16="http://schemas.microsoft.com/office/drawing/2014/main" id="{462680D6-6903-993E-9477-C038EC97EEEA}"/>
               </a:ext>
             </a:extLst>
           </p:cNvPr>
@@ -4184,8 +4184,8 @@
         </p:blipFill>
         <p:spPr>
           <a:xfrm>
-            <a:off x="0" y="1353312"/>
-            <a:ext cx="12209545" cy="5504688"/>
+            <a:off x="0" y="1361223"/>
+            <a:ext cx="12192000" cy="5496777"/>
           </a:xfrm>
           <a:prstGeom prst="rect">
             <a:avLst/>
@@ -4453,6 +4453,42 @@
           <a:chExt cx="0" cy="0"/>
         </a:xfrm>
       </p:grpSpPr>
+      <p:pic>
+        <p:nvPicPr>
+          <p:cNvPr id="5" name="Picture 4" descr="Diagram&#10;&#10;Description automatically generated with medium confidence">
+            <a:extLst>
+              <a:ext uri="{FF2B5EF4-FFF2-40B4-BE49-F238E27FC236}">
+                <a16:creationId xmlns:a16="http://schemas.microsoft.com/office/drawing/2014/main" id="{6BDA2E0F-8133-7666-6C43-C3E3AFBDCB28}"/>
+              </a:ext>
+            </a:extLst>
+          </p:cNvPr>
+          <p:cNvPicPr>
+            <a:picLocks noChangeAspect="1"/>
+          </p:cNvPicPr>
+          <p:nvPr/>
+        </p:nvPicPr>
+        <p:blipFill>
+          <a:blip r:embed="rId2">
+            <a:extLst>
+              <a:ext uri="{28A0092B-C50C-407E-A947-70E740481C1C}">
+                <a14:useLocalDpi xmlns:a14="http://schemas.microsoft.com/office/drawing/2010/main" val="0"/>
+              </a:ext>
+            </a:extLst>
+          </a:blip>
+          <a:stretch>
+            <a:fillRect/>
+          </a:stretch>
+        </p:blipFill>
+        <p:spPr>
+          <a:xfrm>
+            <a:off x="5998529" y="1718773"/>
+            <a:ext cx="6226423" cy="2807190"/>
+          </a:xfrm>
+          <a:prstGeom prst="rect">
+            <a:avLst/>
+          </a:prstGeom>
+        </p:spPr>
+      </p:pic>
       <p:sp>
         <p:nvSpPr>
           <p:cNvPr id="2" name="Title 1">
@@ -4710,43 +4746,6 @@
           </a:p>
         </p:txBody>
       </p:sp>
-      <p:pic>
-        <p:nvPicPr>
-          <p:cNvPr id="8" name="Content Placeholder 9" descr="Diagram&#10;&#10;Description automatically generated">
-            <a:extLst>
-              <a:ext uri="{FF2B5EF4-FFF2-40B4-BE49-F238E27FC236}">
-                <a16:creationId xmlns:a16="http://schemas.microsoft.com/office/drawing/2014/main" id="{E9F7ABCA-FE8F-D11A-064E-7E4E067BB6E9}"/>
-              </a:ext>
-            </a:extLst>
-          </p:cNvPr>
-          <p:cNvPicPr>
-            <a:picLocks noChangeAspect="1"/>
-          </p:cNvPicPr>
-          <p:nvPr/>
-        </p:nvPicPr>
-        <p:blipFill>
-          <a:blip r:embed="rId2">
-            <a:alphaModFix/>
-            <a:extLst>
-              <a:ext uri="{28A0092B-C50C-407E-A947-70E740481C1C}">
-                <a14:useLocalDpi xmlns:a14="http://schemas.microsoft.com/office/drawing/2010/main" val="0"/>
-              </a:ext>
-            </a:extLst>
-          </a:blip>
-          <a:stretch>
-            <a:fillRect/>
-          </a:stretch>
-        </p:blipFill>
-        <p:spPr>
-          <a:xfrm>
-            <a:off x="5998531" y="1718772"/>
-            <a:ext cx="6226422" cy="2807190"/>
-          </a:xfrm>
-          <a:prstGeom prst="rect">
-            <a:avLst/>
-          </a:prstGeom>
-        </p:spPr>
-      </p:pic>
       <p:sp>
         <p:nvSpPr>
           <p:cNvPr id="11" name="TextBox 10">
@@ -5357,26 +5356,17 @@
                                   </p:childTnLst>
                                 </p:cTn>
                               </p:par>
-                            </p:childTnLst>
-                          </p:cTn>
-                        </p:par>
-                        <p:par>
-                          <p:cTn id="38" fill="hold">
-                            <p:stCondLst>
-                              <p:cond delay="0"/>
-                            </p:stCondLst>
-                            <p:childTnLst>
                               <p:par>
-                                <p:cTn id="39" presetID="9" presetClass="emph" presetSubtype="0" nodeType="afterEffect">
+                                <p:cTn id="38" presetID="9" presetClass="emph" presetSubtype="0" grpId="0" nodeType="withEffect">
                                   <p:stCondLst>
                                     <p:cond delay="0"/>
                                   </p:stCondLst>
                                   <p:childTnLst>
                                     <p:set>
                                       <p:cBhvr>
-                                        <p:cTn id="40" dur="indefinite"/>
-                                        <p:tgtEl>
-                                          <p:spTgt spid="8"/>
+                                        <p:cTn id="39" dur="indefinite"/>
+                                        <p:tgtEl>
+                                          <p:spTgt spid="11"/>
                                         </p:tgtEl>
                                         <p:attrNameLst>
                                           <p:attrName>style.opacity</p:attrName>
@@ -5388,9 +5378,9 @@
                                     </p:set>
                                     <p:animEffect filter="image" prLst="opacity: 0.5">
                                       <p:cBhvr rctx="IE">
-                                        <p:cTn id="41" dur="indefinite"/>
-                                        <p:tgtEl>
-                                          <p:spTgt spid="8"/>
+                                        <p:cTn id="40" dur="indefinite"/>
+                                        <p:tgtEl>
+                                          <p:spTgt spid="11"/>
                                         </p:tgtEl>
                                       </p:cBhvr>
                                     </p:animEffect>
@@ -5398,16 +5388,16 @@
                                 </p:cTn>
                               </p:par>
                               <p:par>
-                                <p:cTn id="42" presetID="9" presetClass="emph" presetSubtype="0" grpId="0" nodeType="withEffect">
+                                <p:cTn id="41" presetID="9" presetClass="emph" presetSubtype="0" grpId="0" nodeType="withEffect">
                                   <p:stCondLst>
                                     <p:cond delay="0"/>
                                   </p:stCondLst>
                                   <p:childTnLst>
                                     <p:set>
                                       <p:cBhvr>
-                                        <p:cTn id="43" dur="indefinite"/>
-                                        <p:tgtEl>
-                                          <p:spTgt spid="11"/>
+                                        <p:cTn id="42" dur="indefinite"/>
+                                        <p:tgtEl>
+                                          <p:spTgt spid="12"/>
                                         </p:tgtEl>
                                         <p:attrNameLst>
                                           <p:attrName>style.opacity</p:attrName>
@@ -5419,38 +5409,7 @@
                                     </p:set>
                                     <p:animEffect filter="image" prLst="opacity: 0.5">
                                       <p:cBhvr rctx="IE">
-                                        <p:cTn id="44" dur="indefinite"/>
-                                        <p:tgtEl>
-                                          <p:spTgt spid="11"/>
-                                        </p:tgtEl>
-                                      </p:cBhvr>
-                                    </p:animEffect>
-                                  </p:childTnLst>
-                                </p:cTn>
-                              </p:par>
-                              <p:par>
-                                <p:cTn id="45" presetID="9" presetClass="emph" presetSubtype="0" grpId="0" nodeType="withEffect">
-                                  <p:stCondLst>
-                                    <p:cond delay="0"/>
-                                  </p:stCondLst>
-                                  <p:childTnLst>
-                                    <p:set>
-                                      <p:cBhvr>
-                                        <p:cTn id="46" dur="indefinite"/>
-                                        <p:tgtEl>
-                                          <p:spTgt spid="12"/>
-                                        </p:tgtEl>
-                                        <p:attrNameLst>
-                                          <p:attrName>style.opacity</p:attrName>
-                                        </p:attrNameLst>
-                                      </p:cBhvr>
-                                      <p:to>
-                                        <p:strVal val="0.5"/>
-                                      </p:to>
-                                    </p:set>
-                                    <p:animEffect filter="image" prLst="opacity: 0.5">
-                                      <p:cBhvr rctx="IE">
-                                        <p:cTn id="47" dur="indefinite"/>
+                                        <p:cTn id="43" dur="indefinite"/>
                                         <p:tgtEl>
                                           <p:spTgt spid="12"/>
                                         </p:tgtEl>
@@ -5466,26 +5425,26 @@
                     </p:cTn>
                   </p:par>
                   <p:par>
-                    <p:cTn id="48" fill="hold">
+                    <p:cTn id="44" fill="hold">
                       <p:stCondLst>
                         <p:cond delay="indefinite"/>
                       </p:stCondLst>
                       <p:childTnLst>
                         <p:par>
-                          <p:cTn id="49" fill="hold">
+                          <p:cTn id="45" fill="hold">
                             <p:stCondLst>
                               <p:cond delay="0"/>
                             </p:stCondLst>
                             <p:childTnLst>
                               <p:par>
-                                <p:cTn id="50" presetID="9" presetClass="emph" presetSubtype="0" nodeType="clickEffect">
+                                <p:cTn id="46" presetID="9" presetClass="emph" presetSubtype="0" nodeType="clickEffect">
                                   <p:stCondLst>
                                     <p:cond delay="0"/>
                                   </p:stCondLst>
                                   <p:childTnLst>
                                     <p:set>
                                       <p:cBhvr>
-                                        <p:cTn id="51" dur="indefinite"/>
+                                        <p:cTn id="47" dur="indefinite"/>
                                         <p:tgtEl>
                                           <p:spTgt spid="3">
                                             <p:txEl>
@@ -5503,7 +5462,7 @@
                                     </p:set>
                                     <p:animEffect filter="image" prLst="opacity: 1">
                                       <p:cBhvr rctx="IE">
-                                        <p:cTn id="52" dur="indefinite"/>
+                                        <p:cTn id="48" dur="indefinite"/>
                                         <p:tgtEl>
                                           <p:spTgt spid="3">
                                             <p:txEl>
@@ -5523,26 +5482,26 @@
                     </p:cTn>
                   </p:par>
                   <p:par>
-                    <p:cTn id="53" fill="hold">
+                    <p:cTn id="49" fill="hold">
                       <p:stCondLst>
                         <p:cond delay="indefinite"/>
                       </p:stCondLst>
                       <p:childTnLst>
                         <p:par>
-                          <p:cTn id="54" fill="hold">
+                          <p:cTn id="50" fill="hold">
                             <p:stCondLst>
                               <p:cond delay="0"/>
                             </p:stCondLst>
                             <p:childTnLst>
                               <p:par>
-                                <p:cTn id="55" presetID="9" presetClass="emph" presetSubtype="0" nodeType="clickEffect">
+                                <p:cTn id="51" presetID="9" presetClass="emph" presetSubtype="0" nodeType="clickEffect">
                                   <p:stCondLst>
                                     <p:cond delay="0"/>
                                   </p:stCondLst>
                                   <p:childTnLst>
                                     <p:set>
                                       <p:cBhvr>
-                                        <p:cTn id="56" dur="indefinite"/>
+                                        <p:cTn id="52" dur="indefinite"/>
                                         <p:tgtEl>
                                           <p:spTgt spid="3">
                                             <p:txEl>
@@ -5560,7 +5519,7 @@
                                     </p:set>
                                     <p:animEffect filter="image" prLst="opacity: 1">
                                       <p:cBhvr rctx="IE">
-                                        <p:cTn id="57" dur="indefinite"/>
+                                        <p:cTn id="53" dur="indefinite"/>
                                         <p:tgtEl>
                                           <p:spTgt spid="3">
                                             <p:txEl>
@@ -5627,6 +5586,42 @@
           <a:chExt cx="0" cy="0"/>
         </a:xfrm>
       </p:grpSpPr>
+      <p:pic>
+        <p:nvPicPr>
+          <p:cNvPr id="4" name="Picture 3" descr="Diagram&#10;&#10;Description automatically generated with medium confidence">
+            <a:extLst>
+              <a:ext uri="{FF2B5EF4-FFF2-40B4-BE49-F238E27FC236}">
+                <a16:creationId xmlns:a16="http://schemas.microsoft.com/office/drawing/2014/main" id="{1A31ADA7-7B0B-45DB-349D-EAF85AEAA3D9}"/>
+              </a:ext>
+            </a:extLst>
+          </p:cNvPr>
+          <p:cNvPicPr>
+            <a:picLocks noChangeAspect="1"/>
+          </p:cNvPicPr>
+          <p:nvPr/>
+        </p:nvPicPr>
+        <p:blipFill>
+          <a:blip r:embed="rId2">
+            <a:extLst>
+              <a:ext uri="{28A0092B-C50C-407E-A947-70E740481C1C}">
+                <a14:useLocalDpi xmlns:a14="http://schemas.microsoft.com/office/drawing/2010/main" val="0"/>
+              </a:ext>
+            </a:extLst>
+          </a:blip>
+          <a:stretch>
+            <a:fillRect/>
+          </a:stretch>
+        </p:blipFill>
+        <p:spPr>
+          <a:xfrm>
+            <a:off x="5998529" y="1718773"/>
+            <a:ext cx="6226423" cy="2807190"/>
+          </a:xfrm>
+          <a:prstGeom prst="rect">
+            <a:avLst/>
+          </a:prstGeom>
+        </p:spPr>
+      </p:pic>
       <p:sp>
         <p:nvSpPr>
           <p:cNvPr id="2" name="Title 1">
@@ -5884,42 +5879,6 @@
           </a:p>
         </p:txBody>
       </p:sp>
-      <p:pic>
-        <p:nvPicPr>
-          <p:cNvPr id="8" name="Content Placeholder 9" descr="Diagram&#10;&#10;Description automatically generated">
-            <a:extLst>
-              <a:ext uri="{FF2B5EF4-FFF2-40B4-BE49-F238E27FC236}">
-                <a16:creationId xmlns:a16="http://schemas.microsoft.com/office/drawing/2014/main" id="{E9F7ABCA-FE8F-D11A-064E-7E4E067BB6E9}"/>
-              </a:ext>
-            </a:extLst>
-          </p:cNvPr>
-          <p:cNvPicPr>
-            <a:picLocks noChangeAspect="1"/>
-          </p:cNvPicPr>
-          <p:nvPr/>
-        </p:nvPicPr>
-        <p:blipFill>
-          <a:blip r:embed="rId2">
-            <a:extLst>
-              <a:ext uri="{28A0092B-C50C-407E-A947-70E740481C1C}">
-                <a14:useLocalDpi xmlns:a14="http://schemas.microsoft.com/office/drawing/2010/main" val="0"/>
-              </a:ext>
-            </a:extLst>
-          </a:blip>
-          <a:stretch>
-            <a:fillRect/>
-          </a:stretch>
-        </p:blipFill>
-        <p:spPr>
-          <a:xfrm>
-            <a:off x="5998531" y="1718772"/>
-            <a:ext cx="6226422" cy="2807190"/>
-          </a:xfrm>
-          <a:prstGeom prst="rect">
-            <a:avLst/>
-          </a:prstGeom>
-        </p:spPr>
-      </p:pic>
       <p:cxnSp>
         <p:nvCxnSpPr>
           <p:cNvPr id="9" name="Straight Arrow Connector 8">
@@ -5980,7 +5939,7 @@
         </p:nvCxnSpPr>
         <p:spPr>
           <a:xfrm>
-            <a:off x="9258300" y="2152650"/>
+            <a:off x="9258300" y="2000250"/>
             <a:ext cx="590550" cy="0"/>
           </a:xfrm>
           <a:prstGeom prst="straightConnector1">
@@ -6778,6 +6737,42 @@
           <a:chExt cx="0" cy="0"/>
         </a:xfrm>
       </p:grpSpPr>
+      <p:pic>
+        <p:nvPicPr>
+          <p:cNvPr id="4" name="Picture 3" descr="Diagram&#10;&#10;Description automatically generated with medium confidence">
+            <a:extLst>
+              <a:ext uri="{FF2B5EF4-FFF2-40B4-BE49-F238E27FC236}">
+                <a16:creationId xmlns:a16="http://schemas.microsoft.com/office/drawing/2014/main" id="{34389C5E-DDF6-0900-030F-F369A8459D12}"/>
+              </a:ext>
+            </a:extLst>
+          </p:cNvPr>
+          <p:cNvPicPr>
+            <a:picLocks noChangeAspect="1"/>
+          </p:cNvPicPr>
+          <p:nvPr/>
+        </p:nvPicPr>
+        <p:blipFill>
+          <a:blip r:embed="rId2">
+            <a:extLst>
+              <a:ext uri="{28A0092B-C50C-407E-A947-70E740481C1C}">
+                <a14:useLocalDpi xmlns:a14="http://schemas.microsoft.com/office/drawing/2010/main" val="0"/>
+              </a:ext>
+            </a:extLst>
+          </a:blip>
+          <a:stretch>
+            <a:fillRect/>
+          </a:stretch>
+        </p:blipFill>
+        <p:spPr>
+          <a:xfrm>
+            <a:off x="5998529" y="1718773"/>
+            <a:ext cx="6226423" cy="2807190"/>
+          </a:xfrm>
+          <a:prstGeom prst="rect">
+            <a:avLst/>
+          </a:prstGeom>
+        </p:spPr>
+      </p:pic>
       <p:sp>
         <p:nvSpPr>
           <p:cNvPr id="2" name="Title 1">
@@ -7035,42 +7030,6 @@
           </a:p>
         </p:txBody>
       </p:sp>
-      <p:pic>
-        <p:nvPicPr>
-          <p:cNvPr id="8" name="Content Placeholder 9" descr="Diagram&#10;&#10;Description automatically generated">
-            <a:extLst>
-              <a:ext uri="{FF2B5EF4-FFF2-40B4-BE49-F238E27FC236}">
-                <a16:creationId xmlns:a16="http://schemas.microsoft.com/office/drawing/2014/main" id="{E9F7ABCA-FE8F-D11A-064E-7E4E067BB6E9}"/>
-              </a:ext>
-            </a:extLst>
-          </p:cNvPr>
-          <p:cNvPicPr>
-            <a:picLocks noChangeAspect="1"/>
-          </p:cNvPicPr>
-          <p:nvPr/>
-        </p:nvPicPr>
-        <p:blipFill>
-          <a:blip r:embed="rId2">
-            <a:extLst>
-              <a:ext uri="{28A0092B-C50C-407E-A947-70E740481C1C}">
-                <a14:useLocalDpi xmlns:a14="http://schemas.microsoft.com/office/drawing/2010/main" val="0"/>
-              </a:ext>
-            </a:extLst>
-          </a:blip>
-          <a:stretch>
-            <a:fillRect/>
-          </a:stretch>
-        </p:blipFill>
-        <p:spPr>
-          <a:xfrm>
-            <a:off x="5998531" y="1718772"/>
-            <a:ext cx="6226422" cy="2807190"/>
-          </a:xfrm>
-          <a:prstGeom prst="rect">
-            <a:avLst/>
-          </a:prstGeom>
-        </p:spPr>
-      </p:pic>
       <p:sp>
         <p:nvSpPr>
           <p:cNvPr id="6" name="Rectangle 5">
@@ -7861,6 +7820,42 @@
           <a:chExt cx="0" cy="0"/>
         </a:xfrm>
       </p:grpSpPr>
+      <p:pic>
+        <p:nvPicPr>
+          <p:cNvPr id="4" name="Picture 3" descr="Diagram&#10;&#10;Description automatically generated with medium confidence">
+            <a:extLst>
+              <a:ext uri="{FF2B5EF4-FFF2-40B4-BE49-F238E27FC236}">
+                <a16:creationId xmlns:a16="http://schemas.microsoft.com/office/drawing/2014/main" id="{0009F4EF-BE6C-0BDE-2ACD-8FCB3E1E91C1}"/>
+              </a:ext>
+            </a:extLst>
+          </p:cNvPr>
+          <p:cNvPicPr>
+            <a:picLocks noChangeAspect="1"/>
+          </p:cNvPicPr>
+          <p:nvPr/>
+        </p:nvPicPr>
+        <p:blipFill>
+          <a:blip r:embed="rId2">
+            <a:extLst>
+              <a:ext uri="{28A0092B-C50C-407E-A947-70E740481C1C}">
+                <a14:useLocalDpi xmlns:a14="http://schemas.microsoft.com/office/drawing/2010/main" val="0"/>
+              </a:ext>
+            </a:extLst>
+          </a:blip>
+          <a:stretch>
+            <a:fillRect/>
+          </a:stretch>
+        </p:blipFill>
+        <p:spPr>
+          <a:xfrm>
+            <a:off x="5998529" y="1718773"/>
+            <a:ext cx="6226423" cy="2807190"/>
+          </a:xfrm>
+          <a:prstGeom prst="rect">
+            <a:avLst/>
+          </a:prstGeom>
+        </p:spPr>
+      </p:pic>
       <p:sp>
         <p:nvSpPr>
           <p:cNvPr id="2" name="Title 1">
@@ -8118,42 +8113,6 @@
           </a:p>
         </p:txBody>
       </p:sp>
-      <p:pic>
-        <p:nvPicPr>
-          <p:cNvPr id="8" name="Content Placeholder 9" descr="Diagram&#10;&#10;Description automatically generated">
-            <a:extLst>
-              <a:ext uri="{FF2B5EF4-FFF2-40B4-BE49-F238E27FC236}">
-                <a16:creationId xmlns:a16="http://schemas.microsoft.com/office/drawing/2014/main" id="{E9F7ABCA-FE8F-D11A-064E-7E4E067BB6E9}"/>
-              </a:ext>
-            </a:extLst>
-          </p:cNvPr>
-          <p:cNvPicPr>
-            <a:picLocks noChangeAspect="1"/>
-          </p:cNvPicPr>
-          <p:nvPr/>
-        </p:nvPicPr>
-        <p:blipFill>
-          <a:blip r:embed="rId2">
-            <a:extLst>
-              <a:ext uri="{28A0092B-C50C-407E-A947-70E740481C1C}">
-                <a14:useLocalDpi xmlns:a14="http://schemas.microsoft.com/office/drawing/2010/main" val="0"/>
-              </a:ext>
-            </a:extLst>
-          </a:blip>
-          <a:stretch>
-            <a:fillRect/>
-          </a:stretch>
-        </p:blipFill>
-        <p:spPr>
-          <a:xfrm>
-            <a:off x="5998531" y="1718772"/>
-            <a:ext cx="6226422" cy="2807190"/>
-          </a:xfrm>
-          <a:prstGeom prst="rect">
-            <a:avLst/>
-          </a:prstGeom>
-        </p:spPr>
-      </p:pic>
       <p:sp>
         <p:nvSpPr>
           <p:cNvPr id="6" name="Rectangle 5">
@@ -8892,6 +8851,42 @@
           <a:chExt cx="0" cy="0"/>
         </a:xfrm>
       </p:grpSpPr>
+      <p:pic>
+        <p:nvPicPr>
+          <p:cNvPr id="4" name="Picture 3" descr="Diagram&#10;&#10;Description automatically generated with medium confidence">
+            <a:extLst>
+              <a:ext uri="{FF2B5EF4-FFF2-40B4-BE49-F238E27FC236}">
+                <a16:creationId xmlns:a16="http://schemas.microsoft.com/office/drawing/2014/main" id="{FEBAAEB6-A3FB-5A21-D5D9-B2758F4C8ED7}"/>
+              </a:ext>
+            </a:extLst>
+          </p:cNvPr>
+          <p:cNvPicPr>
+            <a:picLocks noChangeAspect="1"/>
+          </p:cNvPicPr>
+          <p:nvPr/>
+        </p:nvPicPr>
+        <p:blipFill>
+          <a:blip r:embed="rId2">
+            <a:extLst>
+              <a:ext uri="{28A0092B-C50C-407E-A947-70E740481C1C}">
+                <a14:useLocalDpi xmlns:a14="http://schemas.microsoft.com/office/drawing/2010/main" val="0"/>
+              </a:ext>
+            </a:extLst>
+          </a:blip>
+          <a:stretch>
+            <a:fillRect/>
+          </a:stretch>
+        </p:blipFill>
+        <p:spPr>
+          <a:xfrm>
+            <a:off x="5998529" y="1718773"/>
+            <a:ext cx="6226423" cy="2807190"/>
+          </a:xfrm>
+          <a:prstGeom prst="rect">
+            <a:avLst/>
+          </a:prstGeom>
+        </p:spPr>
+      </p:pic>
       <p:sp>
         <p:nvSpPr>
           <p:cNvPr id="2" name="Title 1">
@@ -9149,42 +9144,6 @@
           </a:p>
         </p:txBody>
       </p:sp>
-      <p:pic>
-        <p:nvPicPr>
-          <p:cNvPr id="8" name="Content Placeholder 9" descr="Diagram&#10;&#10;Description automatically generated">
-            <a:extLst>
-              <a:ext uri="{FF2B5EF4-FFF2-40B4-BE49-F238E27FC236}">
-                <a16:creationId xmlns:a16="http://schemas.microsoft.com/office/drawing/2014/main" id="{E9F7ABCA-FE8F-D11A-064E-7E4E067BB6E9}"/>
-              </a:ext>
-            </a:extLst>
-          </p:cNvPr>
-          <p:cNvPicPr>
-            <a:picLocks noChangeAspect="1"/>
-          </p:cNvPicPr>
-          <p:nvPr/>
-        </p:nvPicPr>
-        <p:blipFill>
-          <a:blip r:embed="rId2">
-            <a:extLst>
-              <a:ext uri="{28A0092B-C50C-407E-A947-70E740481C1C}">
-                <a14:useLocalDpi xmlns:a14="http://schemas.microsoft.com/office/drawing/2010/main" val="0"/>
-              </a:ext>
-            </a:extLst>
-          </a:blip>
-          <a:stretch>
-            <a:fillRect/>
-          </a:stretch>
-        </p:blipFill>
-        <p:spPr>
-          <a:xfrm>
-            <a:off x="5998531" y="1718772"/>
-            <a:ext cx="6226422" cy="2807190"/>
-          </a:xfrm>
-          <a:prstGeom prst="rect">
-            <a:avLst/>
-          </a:prstGeom>
-        </p:spPr>
-      </p:pic>
       <p:sp>
         <p:nvSpPr>
           <p:cNvPr id="6" name="Rectangle 5">
@@ -10424,6 +10383,42 @@
           <a:chExt cx="0" cy="0"/>
         </a:xfrm>
       </p:grpSpPr>
+      <p:pic>
+        <p:nvPicPr>
+          <p:cNvPr id="4" name="Picture 3" descr="Diagram&#10;&#10;Description automatically generated with medium confidence">
+            <a:extLst>
+              <a:ext uri="{FF2B5EF4-FFF2-40B4-BE49-F238E27FC236}">
+                <a16:creationId xmlns:a16="http://schemas.microsoft.com/office/drawing/2014/main" id="{80AC6D79-3D8C-0EBE-30C1-1B8FACB5738E}"/>
+              </a:ext>
+            </a:extLst>
+          </p:cNvPr>
+          <p:cNvPicPr>
+            <a:picLocks noChangeAspect="1"/>
+          </p:cNvPicPr>
+          <p:nvPr/>
+        </p:nvPicPr>
+        <p:blipFill>
+          <a:blip r:embed="rId2">
+            <a:extLst>
+              <a:ext uri="{28A0092B-C50C-407E-A947-70E740481C1C}">
+                <a14:useLocalDpi xmlns:a14="http://schemas.microsoft.com/office/drawing/2010/main" val="0"/>
+              </a:ext>
+            </a:extLst>
+          </a:blip>
+          <a:stretch>
+            <a:fillRect/>
+          </a:stretch>
+        </p:blipFill>
+        <p:spPr>
+          <a:xfrm>
+            <a:off x="5998529" y="1718773"/>
+            <a:ext cx="6226423" cy="2807190"/>
+          </a:xfrm>
+          <a:prstGeom prst="rect">
+            <a:avLst/>
+          </a:prstGeom>
+        </p:spPr>
+      </p:pic>
       <p:sp>
         <p:nvSpPr>
           <p:cNvPr id="2" name="Title 1">
@@ -10681,42 +10676,6 @@
           </a:p>
         </p:txBody>
       </p:sp>
-      <p:pic>
-        <p:nvPicPr>
-          <p:cNvPr id="8" name="Content Placeholder 9" descr="Diagram&#10;&#10;Description automatically generated">
-            <a:extLst>
-              <a:ext uri="{FF2B5EF4-FFF2-40B4-BE49-F238E27FC236}">
-                <a16:creationId xmlns:a16="http://schemas.microsoft.com/office/drawing/2014/main" id="{E9F7ABCA-FE8F-D11A-064E-7E4E067BB6E9}"/>
-              </a:ext>
-            </a:extLst>
-          </p:cNvPr>
-          <p:cNvPicPr>
-            <a:picLocks noChangeAspect="1"/>
-          </p:cNvPicPr>
-          <p:nvPr/>
-        </p:nvPicPr>
-        <p:blipFill>
-          <a:blip r:embed="rId2">
-            <a:extLst>
-              <a:ext uri="{28A0092B-C50C-407E-A947-70E740481C1C}">
-                <a14:useLocalDpi xmlns:a14="http://schemas.microsoft.com/office/drawing/2010/main" val="0"/>
-              </a:ext>
-            </a:extLst>
-          </a:blip>
-          <a:stretch>
-            <a:fillRect/>
-          </a:stretch>
-        </p:blipFill>
-        <p:spPr>
-          <a:xfrm>
-            <a:off x="5998531" y="1718772"/>
-            <a:ext cx="6226422" cy="2807190"/>
-          </a:xfrm>
-          <a:prstGeom prst="rect">
-            <a:avLst/>
-          </a:prstGeom>
-        </p:spPr>
-      </p:pic>
       <p:cxnSp>
         <p:nvCxnSpPr>
           <p:cNvPr id="6" name="Straight Arrow Connector 5">
@@ -11805,6 +11764,42 @@
           <a:chExt cx="0" cy="0"/>
         </a:xfrm>
       </p:grpSpPr>
+      <p:pic>
+        <p:nvPicPr>
+          <p:cNvPr id="10" name="Picture 9" descr="Diagram&#10;&#10;Description automatically generated with medium confidence">
+            <a:extLst>
+              <a:ext uri="{FF2B5EF4-FFF2-40B4-BE49-F238E27FC236}">
+                <a16:creationId xmlns:a16="http://schemas.microsoft.com/office/drawing/2014/main" id="{3083C51E-9FC2-0B98-87DE-DDA441C638E4}"/>
+              </a:ext>
+            </a:extLst>
+          </p:cNvPr>
+          <p:cNvPicPr>
+            <a:picLocks noChangeAspect="1"/>
+          </p:cNvPicPr>
+          <p:nvPr/>
+        </p:nvPicPr>
+        <p:blipFill>
+          <a:blip r:embed="rId2">
+            <a:extLst>
+              <a:ext uri="{28A0092B-C50C-407E-A947-70E740481C1C}">
+                <a14:useLocalDpi xmlns:a14="http://schemas.microsoft.com/office/drawing/2010/main" val="0"/>
+              </a:ext>
+            </a:extLst>
+          </a:blip>
+          <a:stretch>
+            <a:fillRect/>
+          </a:stretch>
+        </p:blipFill>
+        <p:spPr>
+          <a:xfrm>
+            <a:off x="5998529" y="1718773"/>
+            <a:ext cx="6226423" cy="2807190"/>
+          </a:xfrm>
+          <a:prstGeom prst="rect">
+            <a:avLst/>
+          </a:prstGeom>
+        </p:spPr>
+      </p:pic>
       <p:sp>
         <p:nvSpPr>
           <p:cNvPr id="2" name="Title 1">
@@ -12218,42 +12213,6 @@
           </a:p>
         </p:txBody>
       </p:sp>
-      <p:pic>
-        <p:nvPicPr>
-          <p:cNvPr id="8" name="Content Placeholder 9" descr="Diagram&#10;&#10;Description automatically generated">
-            <a:extLst>
-              <a:ext uri="{FF2B5EF4-FFF2-40B4-BE49-F238E27FC236}">
-                <a16:creationId xmlns:a16="http://schemas.microsoft.com/office/drawing/2014/main" id="{E9F7ABCA-FE8F-D11A-064E-7E4E067BB6E9}"/>
-              </a:ext>
-            </a:extLst>
-          </p:cNvPr>
-          <p:cNvPicPr>
-            <a:picLocks noChangeAspect="1"/>
-          </p:cNvPicPr>
-          <p:nvPr/>
-        </p:nvPicPr>
-        <p:blipFill>
-          <a:blip r:embed="rId2">
-            <a:extLst>
-              <a:ext uri="{28A0092B-C50C-407E-A947-70E740481C1C}">
-                <a14:useLocalDpi xmlns:a14="http://schemas.microsoft.com/office/drawing/2010/main" val="0"/>
-              </a:ext>
-            </a:extLst>
-          </a:blip>
-          <a:stretch>
-            <a:fillRect/>
-          </a:stretch>
-        </p:blipFill>
-        <p:spPr>
-          <a:xfrm>
-            <a:off x="5998531" y="1718772"/>
-            <a:ext cx="6226422" cy="2807190"/>
-          </a:xfrm>
-          <a:prstGeom prst="rect">
-            <a:avLst/>
-          </a:prstGeom>
-        </p:spPr>
-      </p:pic>
       <p:sp>
         <p:nvSpPr>
           <p:cNvPr id="6" name="Rectangle 5">
@@ -13063,6 +13022,42 @@
           <a:chExt cx="0" cy="0"/>
         </a:xfrm>
       </p:grpSpPr>
+      <p:pic>
+        <p:nvPicPr>
+          <p:cNvPr id="4" name="Picture 3" descr="Diagram&#10;&#10;Description automatically generated with medium confidence">
+            <a:extLst>
+              <a:ext uri="{FF2B5EF4-FFF2-40B4-BE49-F238E27FC236}">
+                <a16:creationId xmlns:a16="http://schemas.microsoft.com/office/drawing/2014/main" id="{6A5CD53C-E060-10FB-7C87-93A249A14ED3}"/>
+              </a:ext>
+            </a:extLst>
+          </p:cNvPr>
+          <p:cNvPicPr>
+            <a:picLocks noChangeAspect="1"/>
+          </p:cNvPicPr>
+          <p:nvPr/>
+        </p:nvPicPr>
+        <p:blipFill>
+          <a:blip r:embed="rId2">
+            <a:extLst>
+              <a:ext uri="{28A0092B-C50C-407E-A947-70E740481C1C}">
+                <a14:useLocalDpi xmlns:a14="http://schemas.microsoft.com/office/drawing/2010/main" val="0"/>
+              </a:ext>
+            </a:extLst>
+          </a:blip>
+          <a:stretch>
+            <a:fillRect/>
+          </a:stretch>
+        </p:blipFill>
+        <p:spPr>
+          <a:xfrm>
+            <a:off x="0" y="1361223"/>
+            <a:ext cx="12192000" cy="5496777"/>
+          </a:xfrm>
+          <a:prstGeom prst="rect">
+            <a:avLst/>
+          </a:prstGeom>
+        </p:spPr>
+      </p:pic>
       <p:sp>
         <p:nvSpPr>
           <p:cNvPr id="2" name="Title 1">
@@ -13091,41 +13086,6 @@
           </a:p>
         </p:txBody>
       </p:sp>
-      <p:pic>
-        <p:nvPicPr>
-          <p:cNvPr id="10" name="Content Placeholder 9" descr="Diagram&#10;&#10;Description automatically generated">
-            <a:extLst>
-              <a:ext uri="{FF2B5EF4-FFF2-40B4-BE49-F238E27FC236}">
-                <a16:creationId xmlns:a16="http://schemas.microsoft.com/office/drawing/2014/main" id="{9A00A6C2-8081-54AE-78AE-E81B7E9A044C}"/>
-              </a:ext>
-            </a:extLst>
-          </p:cNvPr>
-          <p:cNvPicPr>
-            <a:picLocks noGrp="1" noChangeAspect="1"/>
-          </p:cNvPicPr>
-          <p:nvPr>
-            <p:ph idx="1"/>
-          </p:nvPr>
-        </p:nvPicPr>
-        <p:blipFill>
-          <a:blip r:embed="rId2">
-            <a:extLst>
-              <a:ext uri="{28A0092B-C50C-407E-A947-70E740481C1C}">
-                <a14:useLocalDpi xmlns:a14="http://schemas.microsoft.com/office/drawing/2010/main" val="0"/>
-              </a:ext>
-            </a:extLst>
-          </a:blip>
-          <a:stretch>
-            <a:fillRect/>
-          </a:stretch>
-        </p:blipFill>
-        <p:spPr>
-          <a:xfrm>
-            <a:off x="0" y="1353312"/>
-            <a:ext cx="12209545" cy="5504688"/>
-          </a:xfrm>
-        </p:spPr>
-      </p:pic>
     </p:spTree>
     <p:extLst>
       <p:ext uri="{BB962C8B-B14F-4D97-AF65-F5344CB8AC3E}">
@@ -13158,10 +13118,10 @@
       </p:grpSpPr>
       <p:pic>
         <p:nvPicPr>
-          <p:cNvPr id="8" name="Content Placeholder 9" descr="Diagram&#10;&#10;Description automatically generated">
+          <p:cNvPr id="5" name="Picture 4" descr="Diagram&#10;&#10;Description automatically generated with medium confidence">
             <a:extLst>
               <a:ext uri="{FF2B5EF4-FFF2-40B4-BE49-F238E27FC236}">
-                <a16:creationId xmlns:a16="http://schemas.microsoft.com/office/drawing/2014/main" id="{388BE65A-4ECF-04FC-09E3-0AD96C5707D0}"/>
+                <a16:creationId xmlns:a16="http://schemas.microsoft.com/office/drawing/2014/main" id="{7F51FAB4-626E-70CF-222F-5EAA799FDF1A}"/>
               </a:ext>
             </a:extLst>
           </p:cNvPr>
@@ -13184,8 +13144,8 @@
         </p:blipFill>
         <p:spPr>
           <a:xfrm>
-            <a:off x="0" y="1353312"/>
-            <a:ext cx="12209545" cy="5504688"/>
+            <a:off x="0" y="1361223"/>
+            <a:ext cx="12192000" cy="5496777"/>
           </a:xfrm>
           <a:prstGeom prst="rect">
             <a:avLst/>
@@ -13396,10 +13356,10 @@
       </p:grpSpPr>
       <p:pic>
         <p:nvPicPr>
-          <p:cNvPr id="8" name="Content Placeholder 9" descr="Diagram&#10;&#10;Description automatically generated">
+          <p:cNvPr id="5" name="Picture 4" descr="Diagram&#10;&#10;Description automatically generated with medium confidence">
             <a:extLst>
               <a:ext uri="{FF2B5EF4-FFF2-40B4-BE49-F238E27FC236}">
-                <a16:creationId xmlns:a16="http://schemas.microsoft.com/office/drawing/2014/main" id="{68E12A94-65DE-53FA-47F1-F3B3D7A0E164}"/>
+                <a16:creationId xmlns:a16="http://schemas.microsoft.com/office/drawing/2014/main" id="{2B34AE18-4E62-CEE2-686E-7B063D588BE2}"/>
               </a:ext>
             </a:extLst>
           </p:cNvPr>
@@ -13422,8 +13382,8 @@
         </p:blipFill>
         <p:spPr>
           <a:xfrm>
-            <a:off x="0" y="1353312"/>
-            <a:ext cx="12209545" cy="5504688"/>
+            <a:off x="0" y="1361223"/>
+            <a:ext cx="12192000" cy="5496777"/>
           </a:xfrm>
           <a:prstGeom prst="rect">
             <a:avLst/>
@@ -13667,10 +13627,10 @@
       </p:grpSpPr>
       <p:pic>
         <p:nvPicPr>
-          <p:cNvPr id="11" name="Content Placeholder 9" descr="Diagram&#10;&#10;Description automatically generated">
+          <p:cNvPr id="5" name="Picture 4" descr="Diagram&#10;&#10;Description automatically generated with medium confidence">
             <a:extLst>
               <a:ext uri="{FF2B5EF4-FFF2-40B4-BE49-F238E27FC236}">
-                <a16:creationId xmlns:a16="http://schemas.microsoft.com/office/drawing/2014/main" id="{98D0A072-D252-B600-2D01-9CDAAC4FE0ED}"/>
+                <a16:creationId xmlns:a16="http://schemas.microsoft.com/office/drawing/2014/main" id="{35C30921-F3D2-9998-69F5-D253E96F66FC}"/>
               </a:ext>
             </a:extLst>
           </p:cNvPr>
@@ -13693,8 +13653,8 @@
         </p:blipFill>
         <p:spPr>
           <a:xfrm>
-            <a:off x="0" y="1353312"/>
-            <a:ext cx="12209545" cy="5504688"/>
+            <a:off x="0" y="1361223"/>
+            <a:ext cx="12192000" cy="5496777"/>
           </a:xfrm>
           <a:prstGeom prst="rect">
             <a:avLst/>
@@ -13957,10 +13917,10 @@
       </p:grpSpPr>
       <p:pic>
         <p:nvPicPr>
-          <p:cNvPr id="8" name="Content Placeholder 9" descr="Diagram&#10;&#10;Description automatically generated">
+          <p:cNvPr id="5" name="Picture 4" descr="Diagram&#10;&#10;Description automatically generated with medium confidence">
             <a:extLst>
               <a:ext uri="{FF2B5EF4-FFF2-40B4-BE49-F238E27FC236}">
-                <a16:creationId xmlns:a16="http://schemas.microsoft.com/office/drawing/2014/main" id="{6F7FC19B-8E47-55AF-D7F8-15E72A7C3937}"/>
+                <a16:creationId xmlns:a16="http://schemas.microsoft.com/office/drawing/2014/main" id="{60DC16D3-0E35-BD06-B172-9168C157E9F8}"/>
               </a:ext>
             </a:extLst>
           </p:cNvPr>
@@ -13983,8 +13943,8 @@
         </p:blipFill>
         <p:spPr>
           <a:xfrm>
-            <a:off x="0" y="1353312"/>
-            <a:ext cx="12209545" cy="5504688"/>
+            <a:off x="0" y="1361223"/>
+            <a:ext cx="12192000" cy="5496777"/>
           </a:xfrm>
           <a:prstGeom prst="rect">
             <a:avLst/>
@@ -14220,10 +14180,10 @@
       </p:grpSpPr>
       <p:pic>
         <p:nvPicPr>
-          <p:cNvPr id="8" name="Content Placeholder 9" descr="Diagram&#10;&#10;Description automatically generated">
+          <p:cNvPr id="5" name="Picture 4" descr="Diagram&#10;&#10;Description automatically generated with medium confidence">
             <a:extLst>
               <a:ext uri="{FF2B5EF4-FFF2-40B4-BE49-F238E27FC236}">
-                <a16:creationId xmlns:a16="http://schemas.microsoft.com/office/drawing/2014/main" id="{582D4A47-D164-5809-7AC4-7FB20DDDE861}"/>
+                <a16:creationId xmlns:a16="http://schemas.microsoft.com/office/drawing/2014/main" id="{4BFC3917-3CDC-F54D-17DD-873B20E60FCD}"/>
               </a:ext>
             </a:extLst>
           </p:cNvPr>
@@ -14246,8 +14206,8 @@
         </p:blipFill>
         <p:spPr>
           <a:xfrm>
-            <a:off x="0" y="1353312"/>
-            <a:ext cx="12209545" cy="5504688"/>
+            <a:off x="0" y="1361223"/>
+            <a:ext cx="12192000" cy="5496777"/>
           </a:xfrm>
           <a:prstGeom prst="rect">
             <a:avLst/>
@@ -14508,10 +14468,10 @@
       </p:grpSpPr>
       <p:pic>
         <p:nvPicPr>
-          <p:cNvPr id="8" name="Content Placeholder 9" descr="Diagram&#10;&#10;Description automatically generated">
+          <p:cNvPr id="5" name="Picture 4" descr="Diagram&#10;&#10;Description automatically generated with medium confidence">
             <a:extLst>
               <a:ext uri="{FF2B5EF4-FFF2-40B4-BE49-F238E27FC236}">
-                <a16:creationId xmlns:a16="http://schemas.microsoft.com/office/drawing/2014/main" id="{B42005F2-4544-DAAF-E109-D73B68AFC6D0}"/>
+                <a16:creationId xmlns:a16="http://schemas.microsoft.com/office/drawing/2014/main" id="{62D32E31-77F5-8554-AA59-059826FA9F61}"/>
               </a:ext>
             </a:extLst>
           </p:cNvPr>
@@ -14534,8 +14494,8 @@
         </p:blipFill>
         <p:spPr>
           <a:xfrm>
-            <a:off x="0" y="1353312"/>
-            <a:ext cx="12209545" cy="5504688"/>
+            <a:off x="0" y="1361223"/>
+            <a:ext cx="12192000" cy="5496777"/>
           </a:xfrm>
           <a:prstGeom prst="rect">
             <a:avLst/>
